--- a/1821086_matsuo_sotsuken_0604.pptx
+++ b/1821086_matsuo_sotsuken_0604.pptx
@@ -5628,15 +5628,7 @@
                   <a:srgbClr val="FF0000"/>
                 </a:solidFill>
               </a:rPr>
-              <a:t>）へ</a:t>
-            </a:r>
-            <a:r>
-              <a:rPr lang="ja-JP" altLang="en-US" sz="1800" dirty="0" smtClean="0">
-                <a:solidFill>
-                  <a:srgbClr val="FF0000"/>
-                </a:solidFill>
-              </a:rPr>
-              <a:t>リクエストした</a:t>
+              <a:t>）へリクエストした</a:t>
             </a:r>
             <a:endParaRPr lang="en-US" altLang="ja-JP" dirty="0" smtClean="0">
               <a:solidFill>
@@ -5961,11 +5953,7 @@
             </a:r>
             <a:r>
               <a:rPr lang="ja-JP" altLang="en-US" dirty="0" smtClean="0"/>
-              <a:t>じゃ</a:t>
-            </a:r>
-            <a:r>
-              <a:rPr lang="ja-JP" altLang="en-US" dirty="0" smtClean="0"/>
-              <a:t>なくて</a:t>
+              <a:t>じゃなくて</a:t>
             </a:r>
             <a:r>
               <a:rPr lang="en-US" altLang="ja-JP" dirty="0" smtClean="0"/>
@@ -5973,15 +5961,7 @@
             </a:r>
             <a:r>
               <a:rPr lang="ja-JP" altLang="en-US" dirty="0" smtClean="0"/>
-              <a:t>ページ</a:t>
-            </a:r>
-            <a:r>
-              <a:rPr lang="ja-JP" altLang="en-US" dirty="0" smtClean="0"/>
-              <a:t>の応答時間を出してしまっている</a:t>
-            </a:r>
-            <a:r>
-              <a:rPr lang="ja-JP" altLang="en-US" dirty="0" smtClean="0"/>
-              <a:t>。</a:t>
+              <a:t>ページの応答時間を出してしまっている。</a:t>
             </a:r>
             <a:endParaRPr lang="en-US" altLang="ja-JP" dirty="0" smtClean="0"/>
           </a:p>
@@ -6000,7 +5980,11 @@
             </a:r>
             <a:r>
               <a:rPr lang="ja-JP" altLang="en-US" dirty="0" smtClean="0"/>
-              <a:t>の応答速度はどうるすか。</a:t>
+              <a:t>の応答速度はどうるすか</a:t>
+            </a:r>
+            <a:r>
+              <a:rPr lang="ja-JP" altLang="en-US" dirty="0" smtClean="0"/>
+              <a:t>。調べても出てこない。</a:t>
             </a:r>
             <a:endParaRPr lang="en-US" altLang="ja-JP" dirty="0" smtClean="0"/>
           </a:p>
@@ -7537,11 +7521,7 @@
               <a:p>
                 <a:r>
                   <a:rPr kumimoji="1" lang="ja-JP" altLang="en-US" dirty="0" smtClean="0"/>
-                  <a:t>物理的冗長的</a:t>
-                </a:r>
-                <a:r>
-                  <a:rPr kumimoji="1" lang="ja-JP" altLang="en-US" dirty="0" smtClean="0"/>
-                  <a:t>なサーバ</a:t>
+                  <a:t>物理的冗長的なサーバ</a:t>
                 </a:r>
                 <a:endParaRPr kumimoji="1" lang="ja-JP" altLang="en-US" dirty="0"/>
               </a:p>
